--- a/AICTE PPT.pptx
+++ b/AICTE PPT.pptx
@@ -10231,9 +10231,12 @@
           <a:bodyPr/>
           <a:lstStyle/>
           <a:p>
+            <a:pPr marL="0" indent="0">
+              <a:buNone/>
+            </a:pPr>
             <a:r>
               <a:rPr lang="en-IN" dirty="0"/>
-              <a:t>Make sure that there should be readme file</a:t>
+              <a:t>https://github.com/TejasP15/Stenography.git</a:t>
             </a:r>
           </a:p>
         </p:txBody>
@@ -10816,11 +10819,12 @@
 </file>
 
 <file path=customXml/item1.xml><?xml version="1.0" encoding="utf-8"?>
-<p:properties xmlns:p="http://schemas.microsoft.com/office/2006/metadata/properties" xmlns:xsi="http://www.w3.org/2001/XMLSchema-instance" xmlns:pc="http://schemas.microsoft.com/office/infopath/2007/PartnerControls">
-  <documentManagement>
-    <_activity xmlns="b30265f8-c5e2-4918-b4a1-b977299ca3e2" xsi:nil="true"/>
-  </documentManagement>
-</p:properties>
+<?mso-contentType ?>
+<FormTemplates xmlns="http://schemas.microsoft.com/sharepoint/v3/contenttype/forms">
+  <Display>DocumentLibraryForm</Display>
+  <Edit>DocumentLibraryForm</Edit>
+  <New>DocumentLibraryForm</New>
+</FormTemplates>
 </file>
 
 <file path=customXml/item2.xml><?xml version="1.0" encoding="utf-8"?>
@@ -11057,27 +11061,17 @@
 </file>
 
 <file path=customXml/item3.xml><?xml version="1.0" encoding="utf-8"?>
-<?mso-contentType ?>
-<FormTemplates xmlns="http://schemas.microsoft.com/sharepoint/v3/contenttype/forms">
-  <Display>DocumentLibraryForm</Display>
-  <Edit>DocumentLibraryForm</Edit>
-  <New>DocumentLibraryForm</New>
-</FormTemplates>
+<p:properties xmlns:p="http://schemas.microsoft.com/office/2006/metadata/properties" xmlns:xsi="http://www.w3.org/2001/XMLSchema-instance" xmlns:pc="http://schemas.microsoft.com/office/infopath/2007/PartnerControls">
+  <documentManagement>
+    <_activity xmlns="b30265f8-c5e2-4918-b4a1-b977299ca3e2" xsi:nil="true"/>
+  </documentManagement>
+</p:properties>
 </file>
 
 <file path=customXml/itemProps1.xml><?xml version="1.0" encoding="utf-8"?>
-<ds:datastoreItem xmlns:ds="http://schemas.openxmlformats.org/officeDocument/2006/customXml" ds:itemID="{8D289AE2-D2AE-49D1-AFAC-3A79F6794255}">
+<ds:datastoreItem xmlns:ds="http://schemas.openxmlformats.org/officeDocument/2006/customXml" ds:itemID="{927BD4C1-B6B1-4715-ABF9-E660A51A4EA0}">
   <ds:schemaRefs>
-    <ds:schemaRef ds:uri="http://schemas.openxmlformats.org/package/2006/metadata/core-properties"/>
-    <ds:schemaRef ds:uri="http://schemas.microsoft.com/office/2006/documentManagement/types"/>
-    <ds:schemaRef ds:uri="http://purl.org/dc/dcmitype/"/>
-    <ds:schemaRef ds:uri="http://schemas.microsoft.com/office/infopath/2007/PartnerControls"/>
-    <ds:schemaRef ds:uri="http://purl.org/dc/elements/1.1/"/>
-    <ds:schemaRef ds:uri="http://schemas.microsoft.com/office/2006/metadata/properties"/>
-    <ds:schemaRef ds:uri="fadb41d3-f9cb-40fb-903c-8cacaba95bb5"/>
-    <ds:schemaRef ds:uri="http://purl.org/dc/terms/"/>
-    <ds:schemaRef ds:uri="b30265f8-c5e2-4918-b4a1-b977299ca3e2"/>
-    <ds:schemaRef ds:uri="http://www.w3.org/XML/1998/namespace"/>
+    <ds:schemaRef ds:uri="http://schemas.microsoft.com/sharepoint/v3/contenttype/forms"/>
   </ds:schemaRefs>
 </ds:datastoreItem>
 </file>
@@ -11102,9 +11096,18 @@
 </file>
 
 <file path=customXml/itemProps3.xml><?xml version="1.0" encoding="utf-8"?>
-<ds:datastoreItem xmlns:ds="http://schemas.openxmlformats.org/officeDocument/2006/customXml" ds:itemID="{927BD4C1-B6B1-4715-ABF9-E660A51A4EA0}">
+<ds:datastoreItem xmlns:ds="http://schemas.openxmlformats.org/officeDocument/2006/customXml" ds:itemID="{8D289AE2-D2AE-49D1-AFAC-3A79F6794255}">
   <ds:schemaRefs>
-    <ds:schemaRef ds:uri="http://schemas.microsoft.com/sharepoint/v3/contenttype/forms"/>
+    <ds:schemaRef ds:uri="http://schemas.openxmlformats.org/package/2006/metadata/core-properties"/>
+    <ds:schemaRef ds:uri="http://schemas.microsoft.com/office/2006/documentManagement/types"/>
+    <ds:schemaRef ds:uri="http://purl.org/dc/dcmitype/"/>
+    <ds:schemaRef ds:uri="http://schemas.microsoft.com/office/infopath/2007/PartnerControls"/>
+    <ds:schemaRef ds:uri="http://purl.org/dc/elements/1.1/"/>
+    <ds:schemaRef ds:uri="http://schemas.microsoft.com/office/2006/metadata/properties"/>
+    <ds:schemaRef ds:uri="fadb41d3-f9cb-40fb-903c-8cacaba95bb5"/>
+    <ds:schemaRef ds:uri="http://purl.org/dc/terms/"/>
+    <ds:schemaRef ds:uri="b30265f8-c5e2-4918-b4a1-b977299ca3e2"/>
+    <ds:schemaRef ds:uri="http://www.w3.org/XML/1998/namespace"/>
   </ds:schemaRefs>
 </ds:datastoreItem>
 </file>